--- a/Project/광양시문화시설제안서/광양시문화시설제안서.pptx
+++ b/Project/광양시문화시설제안서/광양시문화시설제안서.pptx
@@ -131,7 +131,7 @@
           <a:p>
             <a:fld id="{C9C3BB89-5EB5-438A-8025-3ADA4ACD67A0}" type="datetimeFigureOut">
               <a:rPr lang="ko-KR" altLang="en-US" smtClean="0"/>
-              <a:t>2023-04-10</a:t>
+              <a:t>2023-05-28</a:t>
             </a:fld>
             <a:endParaRPr lang="ko-KR" altLang="en-US"/>
           </a:p>
@@ -1634,7 +1634,7 @@
           <a:p>
             <a:fld id="{1D8BD707-D9CF-40AE-B4C6-C98DA3205C09}" type="datetimeFigureOut">
               <a:rPr lang="en-US"/>
-              <a:t>4/10/2023</a:t>
+              <a:t>5/28/2023</a:t>
             </a:fld>
             <a:endParaRPr lang="en-US"/>
           </a:p>
@@ -1809,7 +1809,7 @@
           <a:p>
             <a:fld id="{1D8BD707-D9CF-40AE-B4C6-C98DA3205C09}" type="datetimeFigureOut">
               <a:rPr lang="en-US"/>
-              <a:t>4/10/2023</a:t>
+              <a:t>5/28/2023</a:t>
             </a:fld>
             <a:endParaRPr lang="en-US"/>
           </a:p>
@@ -2030,7 +2030,7 @@
           <a:p>
             <a:fld id="{1D8BD707-D9CF-40AE-B4C6-C98DA3205C09}" type="datetimeFigureOut">
               <a:rPr lang="en-US"/>
-              <a:t>4/10/2023</a:t>
+              <a:t>5/28/2023</a:t>
             </a:fld>
             <a:endParaRPr lang="en-US"/>
           </a:p>
@@ -2178,7 +2178,7 @@
           <a:p>
             <a:fld id="{1D8BD707-D9CF-40AE-B4C6-C98DA3205C09}" type="datetimeFigureOut">
               <a:rPr lang="en-US"/>
-              <a:t>4/10/2023</a:t>
+              <a:t>5/28/2023</a:t>
             </a:fld>
             <a:endParaRPr lang="en-US"/>
           </a:p>
@@ -2379,7 +2379,7 @@
           <a:p>
             <a:fld id="{1D8BD707-D9CF-40AE-B4C6-C98DA3205C09}" type="datetimeFigureOut">
               <a:rPr lang="en-US"/>
-              <a:t>4/10/2023</a:t>
+              <a:t>5/28/2023</a:t>
             </a:fld>
             <a:endParaRPr lang="en-US"/>
           </a:p>
@@ -2602,7 +2602,7 @@
           <a:p>
             <a:fld id="{1D8BD707-D9CF-40AE-B4C6-C98DA3205C09}" type="datetimeFigureOut">
               <a:rPr lang="en-US"/>
-              <a:t>4/10/2023</a:t>
+              <a:t>5/28/2023</a:t>
             </a:fld>
             <a:endParaRPr lang="en-US"/>
           </a:p>
